--- a/GroupCinemaProject.pptx
+++ b/GroupCinemaProject.pptx
@@ -9,14 +9,10 @@
     <p:sldId id="257" r:id="rId3"/>
     <p:sldId id="258" r:id="rId4"/>
     <p:sldId id="264" r:id="rId5"/>
-    <p:sldId id="263" r:id="rId6"/>
-    <p:sldId id="262" r:id="rId7"/>
-    <p:sldId id="261" r:id="rId8"/>
-    <p:sldId id="265" r:id="rId9"/>
-    <p:sldId id="266" r:id="rId10"/>
-    <p:sldId id="267" r:id="rId11"/>
-    <p:sldId id="270" r:id="rId12"/>
-    <p:sldId id="268" r:id="rId13"/>
+    <p:sldId id="265" r:id="rId6"/>
+    <p:sldId id="270" r:id="rId7"/>
+    <p:sldId id="267" r:id="rId8"/>
+    <p:sldId id="268" r:id="rId9"/>
   </p:sldIdLst>
   <p:sldSz cx="12192000" cy="6858000"/>
   <p:notesSz cx="6858000" cy="9144000"/>
@@ -127,6 +123,7 @@
 <p1510:revInfo xmlns:a="http://schemas.openxmlformats.org/drawingml/2006/main" xmlns:r="http://schemas.openxmlformats.org/officeDocument/2006/relationships" xmlns:p1510="http://schemas.microsoft.com/office/powerpoint/2015/10/main">
   <p1510:revLst>
     <p1510:client id="{3EDA844C-9A51-4B6B-9BE3-BC5CC54C0E35}" v="1" dt="2020-09-08T08:52:41.657"/>
+    <p1510:client id="{8820B2EB-8337-420E-B79D-0E7AFCB31723}" v="4" dt="2020-09-08T09:37:24.662"/>
   </p1510:revLst>
 </p1510:revInfo>
 </file>
@@ -598,6 +595,136 @@
             <pc:docMk/>
             <pc:sldMk cId="28597378" sldId="267"/>
             <ac:picMk id="3" creationId="{FF9CF3DA-9E45-4DED-969B-B11404A77E37}"/>
+          </ac:picMkLst>
+        </pc:picChg>
+      </pc:sldChg>
+    </pc:docChg>
+  </pc:docChgLst>
+  <pc:docChgLst>
+    <pc:chgData name="Nilay Sanghrajka" userId="247b90a400b52899" providerId="LiveId" clId="{8820B2EB-8337-420E-B79D-0E7AFCB31723}"/>
+    <pc:docChg chg="undo redo custSel mod delSld modSld sldOrd">
+      <pc:chgData name="Nilay Sanghrajka" userId="247b90a400b52899" providerId="LiveId" clId="{8820B2EB-8337-420E-B79D-0E7AFCB31723}" dt="2020-09-08T09:40:38.387" v="404" actId="20577"/>
+      <pc:docMkLst>
+        <pc:docMk/>
+      </pc:docMkLst>
+      <pc:sldChg chg="modSp mod">
+        <pc:chgData name="Nilay Sanghrajka" userId="247b90a400b52899" providerId="LiveId" clId="{8820B2EB-8337-420E-B79D-0E7AFCB31723}" dt="2020-09-08T09:31:27.046" v="44" actId="20577"/>
+        <pc:sldMkLst>
+          <pc:docMk/>
+          <pc:sldMk cId="0" sldId="257"/>
+        </pc:sldMkLst>
+        <pc:spChg chg="mod">
+          <ac:chgData name="Nilay Sanghrajka" userId="247b90a400b52899" providerId="LiveId" clId="{8820B2EB-8337-420E-B79D-0E7AFCB31723}" dt="2020-09-08T09:31:27.046" v="44" actId="20577"/>
+          <ac:spMkLst>
+            <pc:docMk/>
+            <pc:sldMk cId="0" sldId="257"/>
+            <ac:spMk id="3" creationId="{F1E1249E-9923-4776-8A2E-C8A87BE3F013}"/>
+          </ac:spMkLst>
+        </pc:spChg>
+      </pc:sldChg>
+      <pc:sldChg chg="del">
+        <pc:chgData name="Nilay Sanghrajka" userId="247b90a400b52899" providerId="LiveId" clId="{8820B2EB-8337-420E-B79D-0E7AFCB31723}" dt="2020-09-08T09:35:49.560" v="58" actId="2696"/>
+        <pc:sldMkLst>
+          <pc:docMk/>
+          <pc:sldMk cId="3699065022" sldId="261"/>
+        </pc:sldMkLst>
+      </pc:sldChg>
+      <pc:sldChg chg="del">
+        <pc:chgData name="Nilay Sanghrajka" userId="247b90a400b52899" providerId="LiveId" clId="{8820B2EB-8337-420E-B79D-0E7AFCB31723}" dt="2020-09-08T09:35:43.013" v="57" actId="2696"/>
+        <pc:sldMkLst>
+          <pc:docMk/>
+          <pc:sldMk cId="2912724176" sldId="262"/>
+        </pc:sldMkLst>
+      </pc:sldChg>
+      <pc:sldChg chg="del">
+        <pc:chgData name="Nilay Sanghrajka" userId="247b90a400b52899" providerId="LiveId" clId="{8820B2EB-8337-420E-B79D-0E7AFCB31723}" dt="2020-09-08T09:35:39.423" v="56" actId="2696"/>
+        <pc:sldMkLst>
+          <pc:docMk/>
+          <pc:sldMk cId="1099139229" sldId="263"/>
+        </pc:sldMkLst>
+      </pc:sldChg>
+      <pc:sldChg chg="addSp delSp modSp mod setBg">
+        <pc:chgData name="Nilay Sanghrajka" userId="247b90a400b52899" providerId="LiveId" clId="{8820B2EB-8337-420E-B79D-0E7AFCB31723}" dt="2020-09-08T09:35:32.464" v="55" actId="1076"/>
+        <pc:sldMkLst>
+          <pc:docMk/>
+          <pc:sldMk cId="3739178887" sldId="264"/>
+        </pc:sldMkLst>
+        <pc:spChg chg="mod">
+          <ac:chgData name="Nilay Sanghrajka" userId="247b90a400b52899" providerId="LiveId" clId="{8820B2EB-8337-420E-B79D-0E7AFCB31723}" dt="2020-09-08T09:35:09.294" v="49" actId="26606"/>
+          <ac:spMkLst>
+            <pc:docMk/>
+            <pc:sldMk cId="3739178887" sldId="264"/>
+            <ac:spMk id="2" creationId="{DF91F68C-DB8F-4C8C-A358-301FE86C5C69}"/>
+          </ac:spMkLst>
+        </pc:spChg>
+        <pc:spChg chg="del">
+          <ac:chgData name="Nilay Sanghrajka" userId="247b90a400b52899" providerId="LiveId" clId="{8820B2EB-8337-420E-B79D-0E7AFCB31723}" dt="2020-09-08T09:33:57.121" v="45"/>
+          <ac:spMkLst>
+            <pc:docMk/>
+            <pc:sldMk cId="3739178887" sldId="264"/>
+            <ac:spMk id="5" creationId="{854FBF2F-522B-4C89-B963-73509577E34C}"/>
+          </ac:spMkLst>
+        </pc:spChg>
+        <pc:spChg chg="add mod">
+          <ac:chgData name="Nilay Sanghrajka" userId="247b90a400b52899" providerId="LiveId" clId="{8820B2EB-8337-420E-B79D-0E7AFCB31723}" dt="2020-09-08T09:35:32.464" v="55" actId="1076"/>
+          <ac:spMkLst>
+            <pc:docMk/>
+            <pc:sldMk cId="3739178887" sldId="264"/>
+            <ac:spMk id="7" creationId="{C02301FE-18FF-4457-B142-AD5FF6407A48}"/>
+          </ac:spMkLst>
+        </pc:spChg>
+        <pc:picChg chg="add mod">
+          <ac:chgData name="Nilay Sanghrajka" userId="247b90a400b52899" providerId="LiveId" clId="{8820B2EB-8337-420E-B79D-0E7AFCB31723}" dt="2020-09-08T09:35:29.663" v="54" actId="1076"/>
+          <ac:picMkLst>
+            <pc:docMk/>
+            <pc:sldMk cId="3739178887" sldId="264"/>
+            <ac:picMk id="3" creationId="{153220D1-CF2A-4E71-BDBC-B6C40AD8F50F}"/>
+          </ac:picMkLst>
+        </pc:picChg>
+      </pc:sldChg>
+      <pc:sldChg chg="modSp del mod">
+        <pc:chgData name="Nilay Sanghrajka" userId="247b90a400b52899" providerId="LiveId" clId="{8820B2EB-8337-420E-B79D-0E7AFCB31723}" dt="2020-09-08T09:36:05.791" v="75" actId="2696"/>
+        <pc:sldMkLst>
+          <pc:docMk/>
+          <pc:sldMk cId="2182615673" sldId="266"/>
+        </pc:sldMkLst>
+        <pc:spChg chg="mod">
+          <ac:chgData name="Nilay Sanghrajka" userId="247b90a400b52899" providerId="LiveId" clId="{8820B2EB-8337-420E-B79D-0E7AFCB31723}" dt="2020-09-08T09:35:59.138" v="72" actId="20577"/>
+          <ac:spMkLst>
+            <pc:docMk/>
+            <pc:sldMk cId="2182615673" sldId="266"/>
+            <ac:spMk id="2" creationId="{DF91F68C-DB8F-4C8C-A358-301FE86C5C69}"/>
+          </ac:spMkLst>
+        </pc:spChg>
+      </pc:sldChg>
+      <pc:sldChg chg="addSp delSp modSp mod ord">
+        <pc:chgData name="Nilay Sanghrajka" userId="247b90a400b52899" providerId="LiveId" clId="{8820B2EB-8337-420E-B79D-0E7AFCB31723}" dt="2020-09-08T09:40:38.387" v="404" actId="20577"/>
+        <pc:sldMkLst>
+          <pc:docMk/>
+          <pc:sldMk cId="28597378" sldId="267"/>
+        </pc:sldMkLst>
+        <pc:spChg chg="mod">
+          <ac:chgData name="Nilay Sanghrajka" userId="247b90a400b52899" providerId="LiveId" clId="{8820B2EB-8337-420E-B79D-0E7AFCB31723}" dt="2020-09-08T09:37:48.511" v="182" actId="14100"/>
+          <ac:spMkLst>
+            <pc:docMk/>
+            <pc:sldMk cId="28597378" sldId="267"/>
+            <ac:spMk id="2" creationId="{DF91F68C-DB8F-4C8C-A358-301FE86C5C69}"/>
+          </ac:spMkLst>
+        </pc:spChg>
+        <pc:spChg chg="add del mod">
+          <ac:chgData name="Nilay Sanghrajka" userId="247b90a400b52899" providerId="LiveId" clId="{8820B2EB-8337-420E-B79D-0E7AFCB31723}" dt="2020-09-08T09:40:38.387" v="404" actId="20577"/>
+          <ac:spMkLst>
+            <pc:docMk/>
+            <pc:sldMk cId="28597378" sldId="267"/>
+            <ac:spMk id="3" creationId="{44BDFC20-32E0-4DE5-B1CC-A1DC5AB269EA}"/>
+          </ac:spMkLst>
+        </pc:spChg>
+        <pc:picChg chg="add del mod">
+          <ac:chgData name="Nilay Sanghrajka" userId="247b90a400b52899" providerId="LiveId" clId="{8820B2EB-8337-420E-B79D-0E7AFCB31723}" dt="2020-09-08T09:37:15.110" v="139" actId="22"/>
+          <ac:picMkLst>
+            <pc:docMk/>
+            <pc:sldMk cId="28597378" sldId="267"/>
+            <ac:picMk id="5" creationId="{AE680929-9CAE-43FD-A3F0-0C38223825E3}"/>
           </ac:picMkLst>
         </pc:picChg>
       </pc:sldChg>
@@ -4016,274 +4143,6 @@
 </p:sld>
 </file>
 
-<file path=ppt/slides/slide10.xml><?xml version="1.0" encoding="utf-8"?>
-<p:sld xmlns:a="http://schemas.openxmlformats.org/drawingml/2006/main" xmlns:r="http://schemas.openxmlformats.org/officeDocument/2006/relationships" xmlns:p="http://schemas.openxmlformats.org/presentationml/2006/main">
-  <p:cSld>
-    <p:spTree>
-      <p:nvGrpSpPr>
-        <p:cNvPr id="1" name=""/>
-        <p:cNvGrpSpPr/>
-        <p:nvPr/>
-      </p:nvGrpSpPr>
-      <p:grpSpPr>
-        <a:xfrm>
-          <a:off x="0" y="0"/>
-          <a:ext cx="0" cy="0"/>
-          <a:chOff x="0" y="0"/>
-          <a:chExt cx="0" cy="0"/>
-        </a:xfrm>
-      </p:grpSpPr>
-      <p:sp>
-        <p:nvSpPr>
-          <p:cNvPr id="2" name="Title 1">
-            <a:extLst>
-              <a:ext uri="{FF2B5EF4-FFF2-40B4-BE49-F238E27FC236}">
-                <a16:creationId xmlns:a16="http://schemas.microsoft.com/office/drawing/2014/main" id="{DF91F68C-DB8F-4C8C-A358-301FE86C5C69}"/>
-              </a:ext>
-            </a:extLst>
-          </p:cNvPr>
-          <p:cNvSpPr>
-            <a:spLocks noGrp="1"/>
-          </p:cNvSpPr>
-          <p:nvPr>
-            <p:ph type="title"/>
-          </p:nvPr>
-        </p:nvSpPr>
-        <p:spPr/>
-        <p:txBody>
-          <a:bodyPr/>
-          <a:lstStyle/>
-          <a:p>
-            <a:pPr algn="ctr"/>
-            <a:r>
-              <a:rPr lang="en-GB" b="1" dirty="0"/>
-              <a:t>SPRINT Retrospective</a:t>
-            </a:r>
-          </a:p>
-        </p:txBody>
-      </p:sp>
-    </p:spTree>
-    <p:extLst>
-      <p:ext uri="{BB962C8B-B14F-4D97-AF65-F5344CB8AC3E}">
-        <p14:creationId xmlns:p14="http://schemas.microsoft.com/office/powerpoint/2010/main" val="28597378"/>
-      </p:ext>
-    </p:extLst>
-  </p:cSld>
-  <p:clrMapOvr>
-    <a:masterClrMapping/>
-  </p:clrMapOvr>
-</p:sld>
-</file>
-
-<file path=ppt/slides/slide11.xml><?xml version="1.0" encoding="utf-8"?>
-<p:sld xmlns:a="http://schemas.openxmlformats.org/drawingml/2006/main" xmlns:r="http://schemas.openxmlformats.org/officeDocument/2006/relationships" xmlns:p="http://schemas.openxmlformats.org/presentationml/2006/main">
-  <p:cSld>
-    <p:spTree>
-      <p:nvGrpSpPr>
-        <p:cNvPr id="1" name=""/>
-        <p:cNvGrpSpPr/>
-        <p:nvPr/>
-      </p:nvGrpSpPr>
-      <p:grpSpPr>
-        <a:xfrm>
-          <a:off x="0" y="0"/>
-          <a:ext cx="0" cy="0"/>
-          <a:chOff x="0" y="0"/>
-          <a:chExt cx="0" cy="0"/>
-        </a:xfrm>
-      </p:grpSpPr>
-      <p:sp>
-        <p:nvSpPr>
-          <p:cNvPr id="2" name="Title 1">
-            <a:extLst>
-              <a:ext uri="{FF2B5EF4-FFF2-40B4-BE49-F238E27FC236}">
-                <a16:creationId xmlns:a16="http://schemas.microsoft.com/office/drawing/2014/main" id="{DF91F68C-DB8F-4C8C-A358-301FE86C5C69}"/>
-              </a:ext>
-            </a:extLst>
-          </p:cNvPr>
-          <p:cNvSpPr>
-            <a:spLocks noGrp="1"/>
-          </p:cNvSpPr>
-          <p:nvPr>
-            <p:ph type="title"/>
-          </p:nvPr>
-        </p:nvSpPr>
-        <p:spPr/>
-        <p:txBody>
-          <a:bodyPr/>
-          <a:lstStyle/>
-          <a:p>
-            <a:pPr algn="ctr"/>
-            <a:r>
-              <a:rPr lang="en-GB" b="1" dirty="0"/>
-              <a:t>demonstration</a:t>
-            </a:r>
-          </a:p>
-        </p:txBody>
-      </p:sp>
-      <p:pic>
-        <p:nvPicPr>
-          <p:cNvPr id="3" name="Content Placeholder 2">
-            <a:extLst>
-              <a:ext uri="{FF2B5EF4-FFF2-40B4-BE49-F238E27FC236}">
-                <a16:creationId xmlns:a16="http://schemas.microsoft.com/office/drawing/2014/main" id="{0E7E76A1-A64D-44DA-9D54-C2BBD7405DEC}"/>
-              </a:ext>
-            </a:extLst>
-          </p:cNvPr>
-          <p:cNvPicPr>
-            <a:picLocks noGrp="1" noChangeAspect="1"/>
-          </p:cNvPicPr>
-          <p:nvPr>
-            <p:ph idx="1"/>
-          </p:nvPr>
-        </p:nvPicPr>
-        <p:blipFill>
-          <a:blip r:embed="rId2"/>
-          <a:stretch>
-            <a:fillRect/>
-          </a:stretch>
-        </p:blipFill>
-        <p:spPr>
-          <a:xfrm>
-            <a:off x="3220745" y="2011363"/>
-            <a:ext cx="5748922" cy="4206875"/>
-          </a:xfrm>
-          <a:prstGeom prst="rect">
-            <a:avLst/>
-          </a:prstGeom>
-        </p:spPr>
-      </p:pic>
-    </p:spTree>
-    <p:extLst>
-      <p:ext uri="{BB962C8B-B14F-4D97-AF65-F5344CB8AC3E}">
-        <p14:creationId xmlns:p14="http://schemas.microsoft.com/office/powerpoint/2010/main" val="3849870464"/>
-      </p:ext>
-    </p:extLst>
-  </p:cSld>
-  <p:clrMapOvr>
-    <a:masterClrMapping/>
-  </p:clrMapOvr>
-</p:sld>
-</file>
-
-<file path=ppt/slides/slide12.xml><?xml version="1.0" encoding="utf-8"?>
-<p:sld xmlns:a="http://schemas.openxmlformats.org/drawingml/2006/main" xmlns:r="http://schemas.openxmlformats.org/officeDocument/2006/relationships" xmlns:p="http://schemas.openxmlformats.org/presentationml/2006/main">
-  <p:cSld>
-    <p:spTree>
-      <p:nvGrpSpPr>
-        <p:cNvPr id="1" name=""/>
-        <p:cNvGrpSpPr/>
-        <p:nvPr/>
-      </p:nvGrpSpPr>
-      <p:grpSpPr>
-        <a:xfrm>
-          <a:off x="0" y="0"/>
-          <a:ext cx="0" cy="0"/>
-          <a:chOff x="0" y="0"/>
-          <a:chExt cx="0" cy="0"/>
-        </a:xfrm>
-      </p:grpSpPr>
-      <p:sp>
-        <p:nvSpPr>
-          <p:cNvPr id="2" name="Title 1">
-            <a:extLst>
-              <a:ext uri="{FF2B5EF4-FFF2-40B4-BE49-F238E27FC236}">
-                <a16:creationId xmlns:a16="http://schemas.microsoft.com/office/drawing/2014/main" id="{DF91F68C-DB8F-4C8C-A358-301FE86C5C69}"/>
-              </a:ext>
-            </a:extLst>
-          </p:cNvPr>
-          <p:cNvSpPr>
-            <a:spLocks noGrp="1"/>
-          </p:cNvSpPr>
-          <p:nvPr>
-            <p:ph type="title"/>
-          </p:nvPr>
-        </p:nvSpPr>
-        <p:spPr/>
-        <p:txBody>
-          <a:bodyPr/>
-          <a:lstStyle/>
-          <a:p>
-            <a:pPr algn="ctr"/>
-            <a:r>
-              <a:rPr lang="en-GB" b="1" dirty="0" err="1"/>
-              <a:t>Conculsion</a:t>
-            </a:r>
-            <a:endParaRPr lang="en-GB" b="1" dirty="0"/>
-          </a:p>
-        </p:txBody>
-      </p:sp>
-      <p:sp>
-        <p:nvSpPr>
-          <p:cNvPr id="5" name="Content Placeholder 4">
-            <a:extLst>
-              <a:ext uri="{FF2B5EF4-FFF2-40B4-BE49-F238E27FC236}">
-                <a16:creationId xmlns:a16="http://schemas.microsoft.com/office/drawing/2014/main" id="{A63E397D-D3DD-401B-91CF-02F4777CE849}"/>
-              </a:ext>
-            </a:extLst>
-          </p:cNvPr>
-          <p:cNvSpPr>
-            <a:spLocks noGrp="1"/>
-          </p:cNvSpPr>
-          <p:nvPr>
-            <p:ph idx="1"/>
-          </p:nvPr>
-        </p:nvSpPr>
-        <p:spPr/>
-        <p:txBody>
-          <a:bodyPr/>
-          <a:lstStyle/>
-          <a:p>
-            <a:endParaRPr lang="en-GB" b="1" dirty="0"/>
-          </a:p>
-          <a:p>
-            <a:endParaRPr lang="en-GB" dirty="0"/>
-          </a:p>
-        </p:txBody>
-      </p:sp>
-      <p:pic>
-        <p:nvPicPr>
-          <p:cNvPr id="6" name="Picture 5">
-            <a:extLst>
-              <a:ext uri="{FF2B5EF4-FFF2-40B4-BE49-F238E27FC236}">
-                <a16:creationId xmlns:a16="http://schemas.microsoft.com/office/drawing/2014/main" id="{6B84594E-8E5A-4556-B142-3084CF1D6922}"/>
-              </a:ext>
-            </a:extLst>
-          </p:cNvPr>
-          <p:cNvPicPr>
-            <a:picLocks noChangeAspect="1"/>
-          </p:cNvPicPr>
-          <p:nvPr/>
-        </p:nvPicPr>
-        <p:blipFill>
-          <a:blip r:embed="rId2"/>
-          <a:stretch>
-            <a:fillRect/>
-          </a:stretch>
-        </p:blipFill>
-        <p:spPr>
-          <a:xfrm>
-            <a:off x="2668159" y="2011680"/>
-            <a:ext cx="6855681" cy="4562144"/>
-          </a:xfrm>
-          <a:prstGeom prst="rect">
-            <a:avLst/>
-          </a:prstGeom>
-        </p:spPr>
-      </p:pic>
-    </p:spTree>
-    <p:extLst>
-      <p:ext uri="{BB962C8B-B14F-4D97-AF65-F5344CB8AC3E}">
-        <p14:creationId xmlns:p14="http://schemas.microsoft.com/office/powerpoint/2010/main" val="1248662091"/>
-      </p:ext>
-    </p:extLst>
-  </p:cSld>
-  <p:clrMapOvr>
-    <a:masterClrMapping/>
-  </p:clrMapOvr>
-</p:sld>
-</file>
-
 <file path=ppt/slides/slide2.xml><?xml version="1.0" encoding="utf-8"?>
 <p:sld xmlns:a="http://schemas.openxmlformats.org/drawingml/2006/main" xmlns:r="http://schemas.openxmlformats.org/officeDocument/2006/relationships" xmlns:p="http://schemas.openxmlformats.org/presentationml/2006/main">
   <p:cSld name="Slide2">
@@ -4415,7 +4274,7 @@
             </a:pPr>
             <a:r>
               <a:rPr lang="en-GB" dirty="0"/>
-              <a:t>What we were </a:t>
+              <a:t>What we creating</a:t>
             </a:r>
           </a:p>
           <a:p>
@@ -4588,6 +4447,14 @@
 <file path=ppt/slides/slide4.xml><?xml version="1.0" encoding="utf-8"?>
 <p:sld xmlns:a="http://schemas.openxmlformats.org/drawingml/2006/main" xmlns:r="http://schemas.openxmlformats.org/officeDocument/2006/relationships" xmlns:p="http://schemas.openxmlformats.org/presentationml/2006/main">
   <p:cSld>
+    <p:bg>
+      <p:bgPr>
+        <a:solidFill>
+          <a:schemeClr val="bg2"/>
+        </a:solidFill>
+        <a:effectLst/>
+      </p:bgPr>
+    </p:bg>
     <p:spTree>
       <p:nvGrpSpPr>
         <p:cNvPr id="1" name=""/>
@@ -4618,25 +4485,32 @@
             <p:ph type="title"/>
           </p:nvPr>
         </p:nvSpPr>
-        <p:spPr/>
-        <p:txBody>
-          <a:bodyPr/>
-          <a:lstStyle/>
-          <a:p>
-            <a:pPr algn="ctr"/>
+        <p:spPr>
+          <a:xfrm>
+            <a:off x="1202919" y="284176"/>
+            <a:ext cx="9784080" cy="1508760"/>
+          </a:xfrm>
+        </p:spPr>
+        <p:txBody>
+          <a:bodyPr>
+            <a:normAutofit/>
+          </a:bodyPr>
+          <a:lstStyle/>
+          <a:p>
             <a:r>
               <a:rPr lang="en-GB" b="1" dirty="0"/>
               <a:t>ERD Diagram</a:t>
             </a:r>
-          </a:p>
-        </p:txBody>
-      </p:sp>
-      <p:sp>
-        <p:nvSpPr>
-          <p:cNvPr id="5" name="Content Placeholder 4">
+            <a:endParaRPr lang="en-GB" b="1"/>
+          </a:p>
+        </p:txBody>
+      </p:sp>
+      <p:sp>
+        <p:nvSpPr>
+          <p:cNvPr id="7" name="Content Placeholder 6">
             <a:extLst>
               <a:ext uri="{FF2B5EF4-FFF2-40B4-BE49-F238E27FC236}">
-                <a16:creationId xmlns:a16="http://schemas.microsoft.com/office/drawing/2014/main" id="{854FBF2F-522B-4C89-B963-73509577E34C}"/>
+                <a16:creationId xmlns:a16="http://schemas.microsoft.com/office/drawing/2014/main" id="{C02301FE-18FF-4457-B142-AD5FF6407A48}"/>
               </a:ext>
             </a:extLst>
           </p:cNvPr>
@@ -4647,15 +4521,52 @@
             <p:ph idx="1"/>
           </p:nvPr>
         </p:nvSpPr>
-        <p:spPr/>
-        <p:txBody>
-          <a:bodyPr/>
-          <a:lstStyle/>
-          <a:p>
-            <a:endParaRPr lang="en-GB"/>
-          </a:p>
-        </p:txBody>
-      </p:sp>
+        <p:spPr>
+          <a:xfrm>
+            <a:off x="1109614" y="2221338"/>
+            <a:ext cx="2846566" cy="4206240"/>
+          </a:xfrm>
+        </p:spPr>
+        <p:txBody>
+          <a:bodyPr>
+            <a:normAutofit/>
+          </a:bodyPr>
+          <a:lstStyle/>
+          <a:p>
+            <a:endParaRPr lang="en-US" sz="2000" dirty="0"/>
+          </a:p>
+        </p:txBody>
+      </p:sp>
+      <p:pic>
+        <p:nvPicPr>
+          <p:cNvPr id="3" name="Content Placeholder 2">
+            <a:extLst>
+              <a:ext uri="{FF2B5EF4-FFF2-40B4-BE49-F238E27FC236}">
+                <a16:creationId xmlns:a16="http://schemas.microsoft.com/office/drawing/2014/main" id="{153220D1-CF2A-4E71-BDBC-B6C40AD8F50F}"/>
+              </a:ext>
+            </a:extLst>
+          </p:cNvPr>
+          <p:cNvPicPr>
+            <a:picLocks noChangeAspect="1"/>
+          </p:cNvPicPr>
+          <p:nvPr/>
+        </p:nvPicPr>
+        <p:blipFill>
+          <a:blip r:embed="rId2"/>
+          <a:stretch>
+            <a:fillRect/>
+          </a:stretch>
+        </p:blipFill>
+        <p:spPr>
+          <a:xfrm>
+            <a:off x="5321559" y="2174359"/>
+            <a:ext cx="5445968" cy="4207010"/>
+          </a:xfrm>
+          <a:prstGeom prst="rect">
+            <a:avLst/>
+          </a:prstGeom>
+        </p:spPr>
+      </p:pic>
     </p:spTree>
     <p:extLst>
       <p:ext uri="{BB962C8B-B14F-4D97-AF65-F5344CB8AC3E}">
@@ -4670,258 +4581,6 @@
 </file>
 
 <file path=ppt/slides/slide5.xml><?xml version="1.0" encoding="utf-8"?>
-<p:sld xmlns:a="http://schemas.openxmlformats.org/drawingml/2006/main" xmlns:r="http://schemas.openxmlformats.org/officeDocument/2006/relationships" xmlns:p="http://schemas.openxmlformats.org/presentationml/2006/main">
-  <p:cSld>
-    <p:spTree>
-      <p:nvGrpSpPr>
-        <p:cNvPr id="1" name=""/>
-        <p:cNvGrpSpPr/>
-        <p:nvPr/>
-      </p:nvGrpSpPr>
-      <p:grpSpPr>
-        <a:xfrm>
-          <a:off x="0" y="0"/>
-          <a:ext cx="0" cy="0"/>
-          <a:chOff x="0" y="0"/>
-          <a:chExt cx="0" cy="0"/>
-        </a:xfrm>
-      </p:grpSpPr>
-      <p:sp>
-        <p:nvSpPr>
-          <p:cNvPr id="2" name="Title 1">
-            <a:extLst>
-              <a:ext uri="{FF2B5EF4-FFF2-40B4-BE49-F238E27FC236}">
-                <a16:creationId xmlns:a16="http://schemas.microsoft.com/office/drawing/2014/main" id="{DF91F68C-DB8F-4C8C-A358-301FE86C5C69}"/>
-              </a:ext>
-            </a:extLst>
-          </p:cNvPr>
-          <p:cNvSpPr>
-            <a:spLocks noGrp="1"/>
-          </p:cNvSpPr>
-          <p:nvPr>
-            <p:ph type="title"/>
-          </p:nvPr>
-        </p:nvSpPr>
-        <p:spPr/>
-        <p:txBody>
-          <a:bodyPr/>
-          <a:lstStyle/>
-          <a:p>
-            <a:pPr algn="ctr"/>
-            <a:r>
-              <a:rPr lang="en-GB" b="1" dirty="0"/>
-              <a:t>ERD Diagram</a:t>
-            </a:r>
-          </a:p>
-        </p:txBody>
-      </p:sp>
-      <p:sp>
-        <p:nvSpPr>
-          <p:cNvPr id="5" name="Content Placeholder 4">
-            <a:extLst>
-              <a:ext uri="{FF2B5EF4-FFF2-40B4-BE49-F238E27FC236}">
-                <a16:creationId xmlns:a16="http://schemas.microsoft.com/office/drawing/2014/main" id="{AC4191E4-D25D-4B8D-ADE2-A6BC55065AED}"/>
-              </a:ext>
-            </a:extLst>
-          </p:cNvPr>
-          <p:cNvSpPr>
-            <a:spLocks noGrp="1"/>
-          </p:cNvSpPr>
-          <p:nvPr>
-            <p:ph idx="1"/>
-          </p:nvPr>
-        </p:nvSpPr>
-        <p:spPr/>
-        <p:txBody>
-          <a:bodyPr/>
-          <a:lstStyle/>
-          <a:p>
-            <a:endParaRPr lang="en-GB"/>
-          </a:p>
-        </p:txBody>
-      </p:sp>
-    </p:spTree>
-    <p:extLst>
-      <p:ext uri="{BB962C8B-B14F-4D97-AF65-F5344CB8AC3E}">
-        <p14:creationId xmlns:p14="http://schemas.microsoft.com/office/powerpoint/2010/main" val="1099139229"/>
-      </p:ext>
-    </p:extLst>
-  </p:cSld>
-  <p:clrMapOvr>
-    <a:masterClrMapping/>
-  </p:clrMapOvr>
-</p:sld>
-</file>
-
-<file path=ppt/slides/slide6.xml><?xml version="1.0" encoding="utf-8"?>
-<p:sld xmlns:a="http://schemas.openxmlformats.org/drawingml/2006/main" xmlns:r="http://schemas.openxmlformats.org/officeDocument/2006/relationships" xmlns:p="http://schemas.openxmlformats.org/presentationml/2006/main">
-  <p:cSld>
-    <p:spTree>
-      <p:nvGrpSpPr>
-        <p:cNvPr id="1" name=""/>
-        <p:cNvGrpSpPr/>
-        <p:nvPr/>
-      </p:nvGrpSpPr>
-      <p:grpSpPr>
-        <a:xfrm>
-          <a:off x="0" y="0"/>
-          <a:ext cx="0" cy="0"/>
-          <a:chOff x="0" y="0"/>
-          <a:chExt cx="0" cy="0"/>
-        </a:xfrm>
-      </p:grpSpPr>
-      <p:sp>
-        <p:nvSpPr>
-          <p:cNvPr id="2" name="Title 1">
-            <a:extLst>
-              <a:ext uri="{FF2B5EF4-FFF2-40B4-BE49-F238E27FC236}">
-                <a16:creationId xmlns:a16="http://schemas.microsoft.com/office/drawing/2014/main" id="{DF91F68C-DB8F-4C8C-A358-301FE86C5C69}"/>
-              </a:ext>
-            </a:extLst>
-          </p:cNvPr>
-          <p:cNvSpPr>
-            <a:spLocks noGrp="1"/>
-          </p:cNvSpPr>
-          <p:nvPr>
-            <p:ph type="title"/>
-          </p:nvPr>
-        </p:nvSpPr>
-        <p:spPr/>
-        <p:txBody>
-          <a:bodyPr/>
-          <a:lstStyle/>
-          <a:p>
-            <a:pPr algn="ctr"/>
-            <a:r>
-              <a:rPr lang="en-GB" b="1" dirty="0"/>
-              <a:t>ERD Diagram</a:t>
-            </a:r>
-          </a:p>
-        </p:txBody>
-      </p:sp>
-      <p:sp>
-        <p:nvSpPr>
-          <p:cNvPr id="5" name="Content Placeholder 4">
-            <a:extLst>
-              <a:ext uri="{FF2B5EF4-FFF2-40B4-BE49-F238E27FC236}">
-                <a16:creationId xmlns:a16="http://schemas.microsoft.com/office/drawing/2014/main" id="{655F5460-DE30-4824-B676-E80AE2E63C3B}"/>
-              </a:ext>
-            </a:extLst>
-          </p:cNvPr>
-          <p:cNvSpPr>
-            <a:spLocks noGrp="1"/>
-          </p:cNvSpPr>
-          <p:nvPr>
-            <p:ph idx="1"/>
-          </p:nvPr>
-        </p:nvSpPr>
-        <p:spPr/>
-        <p:txBody>
-          <a:bodyPr/>
-          <a:lstStyle/>
-          <a:p>
-            <a:endParaRPr lang="en-GB"/>
-          </a:p>
-        </p:txBody>
-      </p:sp>
-    </p:spTree>
-    <p:extLst>
-      <p:ext uri="{BB962C8B-B14F-4D97-AF65-F5344CB8AC3E}">
-        <p14:creationId xmlns:p14="http://schemas.microsoft.com/office/powerpoint/2010/main" val="2912724176"/>
-      </p:ext>
-    </p:extLst>
-  </p:cSld>
-  <p:clrMapOvr>
-    <a:masterClrMapping/>
-  </p:clrMapOvr>
-</p:sld>
-</file>
-
-<file path=ppt/slides/slide7.xml><?xml version="1.0" encoding="utf-8"?>
-<p:sld xmlns:a="http://schemas.openxmlformats.org/drawingml/2006/main" xmlns:r="http://schemas.openxmlformats.org/officeDocument/2006/relationships" xmlns:p="http://schemas.openxmlformats.org/presentationml/2006/main">
-  <p:cSld>
-    <p:spTree>
-      <p:nvGrpSpPr>
-        <p:cNvPr id="1" name=""/>
-        <p:cNvGrpSpPr/>
-        <p:nvPr/>
-      </p:nvGrpSpPr>
-      <p:grpSpPr>
-        <a:xfrm>
-          <a:off x="0" y="0"/>
-          <a:ext cx="0" cy="0"/>
-          <a:chOff x="0" y="0"/>
-          <a:chExt cx="0" cy="0"/>
-        </a:xfrm>
-      </p:grpSpPr>
-      <p:sp>
-        <p:nvSpPr>
-          <p:cNvPr id="2" name="Title 1">
-            <a:extLst>
-              <a:ext uri="{FF2B5EF4-FFF2-40B4-BE49-F238E27FC236}">
-                <a16:creationId xmlns:a16="http://schemas.microsoft.com/office/drawing/2014/main" id="{DF91F68C-DB8F-4C8C-A358-301FE86C5C69}"/>
-              </a:ext>
-            </a:extLst>
-          </p:cNvPr>
-          <p:cNvSpPr>
-            <a:spLocks noGrp="1"/>
-          </p:cNvSpPr>
-          <p:nvPr>
-            <p:ph type="title"/>
-          </p:nvPr>
-        </p:nvSpPr>
-        <p:spPr/>
-        <p:txBody>
-          <a:bodyPr/>
-          <a:lstStyle/>
-          <a:p>
-            <a:pPr algn="ctr"/>
-            <a:r>
-              <a:rPr lang="en-GB" b="1" dirty="0"/>
-              <a:t>ERD Diagram</a:t>
-            </a:r>
-          </a:p>
-        </p:txBody>
-      </p:sp>
-      <p:sp>
-        <p:nvSpPr>
-          <p:cNvPr id="5" name="Content Placeholder 4">
-            <a:extLst>
-              <a:ext uri="{FF2B5EF4-FFF2-40B4-BE49-F238E27FC236}">
-                <a16:creationId xmlns:a16="http://schemas.microsoft.com/office/drawing/2014/main" id="{080702D6-67F5-4ED0-8C39-400002ED2563}"/>
-              </a:ext>
-            </a:extLst>
-          </p:cNvPr>
-          <p:cNvSpPr>
-            <a:spLocks noGrp="1"/>
-          </p:cNvSpPr>
-          <p:nvPr>
-            <p:ph idx="1"/>
-          </p:nvPr>
-        </p:nvSpPr>
-        <p:spPr/>
-        <p:txBody>
-          <a:bodyPr/>
-          <a:lstStyle/>
-          <a:p>
-            <a:endParaRPr lang="en-GB"/>
-          </a:p>
-        </p:txBody>
-      </p:sp>
-    </p:spTree>
-    <p:extLst>
-      <p:ext uri="{BB962C8B-B14F-4D97-AF65-F5344CB8AC3E}">
-        <p14:creationId xmlns:p14="http://schemas.microsoft.com/office/powerpoint/2010/main" val="3699065022"/>
-      </p:ext>
-    </p:extLst>
-  </p:cSld>
-  <p:clrMapOvr>
-    <a:masterClrMapping/>
-  </p:clrMapOvr>
-</p:sld>
-</file>
-
-<file path=ppt/slides/slide8.xml><?xml version="1.0" encoding="utf-8"?>
 <p:sld xmlns:a="http://schemas.openxmlformats.org/drawingml/2006/main" xmlns:r="http://schemas.openxmlformats.org/officeDocument/2006/relationships" xmlns:p="http://schemas.openxmlformats.org/presentationml/2006/main">
   <p:cSld>
     <p:bg>
@@ -5057,7 +4716,7 @@
 </p:sld>
 </file>
 
-<file path=ppt/slides/slide9.xml><?xml version="1.0" encoding="utf-8"?>
+<file path=ppt/slides/slide6.xml><?xml version="1.0" encoding="utf-8"?>
 <p:sld xmlns:a="http://schemas.openxmlformats.org/drawingml/2006/main" xmlns:r="http://schemas.openxmlformats.org/officeDocument/2006/relationships" xmlns:p="http://schemas.openxmlformats.org/presentationml/2006/main">
   <p:cSld>
     <p:spTree>
@@ -5098,15 +4757,311 @@
             <a:pPr algn="ctr"/>
             <a:r>
               <a:rPr lang="en-GB" b="1" dirty="0"/>
-              <a:t>SPRINT REVIEW</a:t>
-            </a:r>
-          </a:p>
-        </p:txBody>
-      </p:sp>
+              <a:t>demonstration</a:t>
+            </a:r>
+          </a:p>
+        </p:txBody>
+      </p:sp>
+      <p:pic>
+        <p:nvPicPr>
+          <p:cNvPr id="3" name="Content Placeholder 2">
+            <a:extLst>
+              <a:ext uri="{FF2B5EF4-FFF2-40B4-BE49-F238E27FC236}">
+                <a16:creationId xmlns:a16="http://schemas.microsoft.com/office/drawing/2014/main" id="{0E7E76A1-A64D-44DA-9D54-C2BBD7405DEC}"/>
+              </a:ext>
+            </a:extLst>
+          </p:cNvPr>
+          <p:cNvPicPr>
+            <a:picLocks noGrp="1" noChangeAspect="1"/>
+          </p:cNvPicPr>
+          <p:nvPr>
+            <p:ph idx="1"/>
+          </p:nvPr>
+        </p:nvPicPr>
+        <p:blipFill>
+          <a:blip r:embed="rId2"/>
+          <a:stretch>
+            <a:fillRect/>
+          </a:stretch>
+        </p:blipFill>
+        <p:spPr>
+          <a:xfrm>
+            <a:off x="3220745" y="2011363"/>
+            <a:ext cx="5748922" cy="4206875"/>
+          </a:xfrm>
+          <a:prstGeom prst="rect">
+            <a:avLst/>
+          </a:prstGeom>
+        </p:spPr>
+      </p:pic>
     </p:spTree>
     <p:extLst>
       <p:ext uri="{BB962C8B-B14F-4D97-AF65-F5344CB8AC3E}">
-        <p14:creationId xmlns:p14="http://schemas.microsoft.com/office/powerpoint/2010/main" val="2182615673"/>
+        <p14:creationId xmlns:p14="http://schemas.microsoft.com/office/powerpoint/2010/main" val="3849870464"/>
+      </p:ext>
+    </p:extLst>
+  </p:cSld>
+  <p:clrMapOvr>
+    <a:masterClrMapping/>
+  </p:clrMapOvr>
+</p:sld>
+</file>
+
+<file path=ppt/slides/slide7.xml><?xml version="1.0" encoding="utf-8"?>
+<p:sld xmlns:a="http://schemas.openxmlformats.org/drawingml/2006/main" xmlns:r="http://schemas.openxmlformats.org/officeDocument/2006/relationships" xmlns:p="http://schemas.openxmlformats.org/presentationml/2006/main">
+  <p:cSld>
+    <p:spTree>
+      <p:nvGrpSpPr>
+        <p:cNvPr id="1" name=""/>
+        <p:cNvGrpSpPr/>
+        <p:nvPr/>
+      </p:nvGrpSpPr>
+      <p:grpSpPr>
+        <a:xfrm>
+          <a:off x="0" y="0"/>
+          <a:ext cx="0" cy="0"/>
+          <a:chOff x="0" y="0"/>
+          <a:chExt cx="0" cy="0"/>
+        </a:xfrm>
+      </p:grpSpPr>
+      <p:sp>
+        <p:nvSpPr>
+          <p:cNvPr id="2" name="Title 1">
+            <a:extLst>
+              <a:ext uri="{FF2B5EF4-FFF2-40B4-BE49-F238E27FC236}">
+                <a16:creationId xmlns:a16="http://schemas.microsoft.com/office/drawing/2014/main" id="{DF91F68C-DB8F-4C8C-A358-301FE86C5C69}"/>
+              </a:ext>
+            </a:extLst>
+          </p:cNvPr>
+          <p:cNvSpPr>
+            <a:spLocks noGrp="1"/>
+          </p:cNvSpPr>
+          <p:nvPr>
+            <p:ph type="title"/>
+          </p:nvPr>
+        </p:nvSpPr>
+        <p:spPr/>
+        <p:txBody>
+          <a:bodyPr/>
+          <a:lstStyle/>
+          <a:p>
+            <a:pPr algn="ctr"/>
+            <a:r>
+              <a:rPr lang="en-GB" b="1" dirty="0"/>
+              <a:t>Project Retrospective</a:t>
+            </a:r>
+          </a:p>
+        </p:txBody>
+      </p:sp>
+      <p:sp>
+        <p:nvSpPr>
+          <p:cNvPr id="3" name="TextBox 2">
+            <a:extLst>
+              <a:ext uri="{FF2B5EF4-FFF2-40B4-BE49-F238E27FC236}">
+                <a16:creationId xmlns:a16="http://schemas.microsoft.com/office/drawing/2014/main" id="{44BDFC20-32E0-4DE5-B1CC-A1DC5AB269EA}"/>
+              </a:ext>
+            </a:extLst>
+          </p:cNvPr>
+          <p:cNvSpPr txBox="1"/>
+          <p:nvPr/>
+        </p:nvSpPr>
+        <p:spPr>
+          <a:xfrm>
+            <a:off x="994300" y="2432445"/>
+            <a:ext cx="10395750" cy="3108543"/>
+          </a:xfrm>
+          <a:prstGeom prst="rect">
+            <a:avLst/>
+          </a:prstGeom>
+          <a:noFill/>
+        </p:spPr>
+        <p:txBody>
+          <a:bodyPr wrap="square" rtlCol="0">
+            <a:spAutoFit/>
+          </a:bodyPr>
+          <a:lstStyle/>
+          <a:p>
+            <a:pPr marL="342900" lvl="0" indent="-342900">
+              <a:buFont typeface="Arial" panose="020B0604020202020204" pitchFamily="34" charset="0"/>
+              <a:buChar char="•"/>
+            </a:pPr>
+            <a:r>
+              <a:rPr lang="en-GB" sz="2800" dirty="0"/>
+              <a:t>What went well</a:t>
+            </a:r>
+          </a:p>
+          <a:p>
+            <a:pPr marL="342900" lvl="0" indent="-342900">
+              <a:buFont typeface="Arial" panose="020B0604020202020204" pitchFamily="34" charset="0"/>
+              <a:buChar char="•"/>
+            </a:pPr>
+            <a:endParaRPr lang="en-GB" sz="2800" dirty="0"/>
+          </a:p>
+          <a:p>
+            <a:pPr marL="342900" lvl="0" indent="-342900">
+              <a:buFont typeface="Arial" panose="020B0604020202020204" pitchFamily="34" charset="0"/>
+              <a:buChar char="•"/>
+            </a:pPr>
+            <a:endParaRPr lang="en-GB" sz="2800" dirty="0"/>
+          </a:p>
+          <a:p>
+            <a:pPr marL="342900" lvl="0" indent="-342900">
+              <a:buFont typeface="Arial" panose="020B0604020202020204" pitchFamily="34" charset="0"/>
+              <a:buChar char="•"/>
+            </a:pPr>
+            <a:r>
+              <a:rPr lang="en-GB" sz="2800" dirty="0"/>
+              <a:t>What we could have gone better</a:t>
+            </a:r>
+          </a:p>
+          <a:p>
+            <a:pPr marL="342900" lvl="0" indent="-342900">
+              <a:buFont typeface="Arial" panose="020B0604020202020204" pitchFamily="34" charset="0"/>
+              <a:buChar char="•"/>
+            </a:pPr>
+            <a:endParaRPr lang="en-GB" sz="2800" dirty="0"/>
+          </a:p>
+          <a:p>
+            <a:pPr marL="342900" lvl="0" indent="-342900">
+              <a:buFont typeface="Arial" panose="020B0604020202020204" pitchFamily="34" charset="0"/>
+              <a:buChar char="•"/>
+            </a:pPr>
+            <a:endParaRPr lang="en-GB" sz="2800" dirty="0"/>
+          </a:p>
+          <a:p>
+            <a:pPr marL="342900" lvl="0" indent="-342900">
+              <a:buFont typeface="Arial" panose="020B0604020202020204" pitchFamily="34" charset="0"/>
+              <a:buChar char="•"/>
+            </a:pPr>
+            <a:r>
+              <a:rPr lang="en-GB" sz="2800" dirty="0"/>
+              <a:t>What we could improve</a:t>
+            </a:r>
+          </a:p>
+        </p:txBody>
+      </p:sp>
+    </p:spTree>
+    <p:extLst>
+      <p:ext uri="{BB962C8B-B14F-4D97-AF65-F5344CB8AC3E}">
+        <p14:creationId xmlns:p14="http://schemas.microsoft.com/office/powerpoint/2010/main" val="28597378"/>
+      </p:ext>
+    </p:extLst>
+  </p:cSld>
+  <p:clrMapOvr>
+    <a:masterClrMapping/>
+  </p:clrMapOvr>
+</p:sld>
+</file>
+
+<file path=ppt/slides/slide8.xml><?xml version="1.0" encoding="utf-8"?>
+<p:sld xmlns:a="http://schemas.openxmlformats.org/drawingml/2006/main" xmlns:r="http://schemas.openxmlformats.org/officeDocument/2006/relationships" xmlns:p="http://schemas.openxmlformats.org/presentationml/2006/main">
+  <p:cSld>
+    <p:spTree>
+      <p:nvGrpSpPr>
+        <p:cNvPr id="1" name=""/>
+        <p:cNvGrpSpPr/>
+        <p:nvPr/>
+      </p:nvGrpSpPr>
+      <p:grpSpPr>
+        <a:xfrm>
+          <a:off x="0" y="0"/>
+          <a:ext cx="0" cy="0"/>
+          <a:chOff x="0" y="0"/>
+          <a:chExt cx="0" cy="0"/>
+        </a:xfrm>
+      </p:grpSpPr>
+      <p:sp>
+        <p:nvSpPr>
+          <p:cNvPr id="2" name="Title 1">
+            <a:extLst>
+              <a:ext uri="{FF2B5EF4-FFF2-40B4-BE49-F238E27FC236}">
+                <a16:creationId xmlns:a16="http://schemas.microsoft.com/office/drawing/2014/main" id="{DF91F68C-DB8F-4C8C-A358-301FE86C5C69}"/>
+              </a:ext>
+            </a:extLst>
+          </p:cNvPr>
+          <p:cNvSpPr>
+            <a:spLocks noGrp="1"/>
+          </p:cNvSpPr>
+          <p:nvPr>
+            <p:ph type="title"/>
+          </p:nvPr>
+        </p:nvSpPr>
+        <p:spPr/>
+        <p:txBody>
+          <a:bodyPr/>
+          <a:lstStyle/>
+          <a:p>
+            <a:pPr algn="ctr"/>
+            <a:r>
+              <a:rPr lang="en-GB" b="1" dirty="0" err="1"/>
+              <a:t>Conculsion</a:t>
+            </a:r>
+            <a:endParaRPr lang="en-GB" b="1" dirty="0"/>
+          </a:p>
+        </p:txBody>
+      </p:sp>
+      <p:sp>
+        <p:nvSpPr>
+          <p:cNvPr id="5" name="Content Placeholder 4">
+            <a:extLst>
+              <a:ext uri="{FF2B5EF4-FFF2-40B4-BE49-F238E27FC236}">
+                <a16:creationId xmlns:a16="http://schemas.microsoft.com/office/drawing/2014/main" id="{A63E397D-D3DD-401B-91CF-02F4777CE849}"/>
+              </a:ext>
+            </a:extLst>
+          </p:cNvPr>
+          <p:cNvSpPr>
+            <a:spLocks noGrp="1"/>
+          </p:cNvSpPr>
+          <p:nvPr>
+            <p:ph idx="1"/>
+          </p:nvPr>
+        </p:nvSpPr>
+        <p:spPr/>
+        <p:txBody>
+          <a:bodyPr/>
+          <a:lstStyle/>
+          <a:p>
+            <a:endParaRPr lang="en-GB" b="1" dirty="0"/>
+          </a:p>
+          <a:p>
+            <a:endParaRPr lang="en-GB" dirty="0"/>
+          </a:p>
+        </p:txBody>
+      </p:sp>
+      <p:pic>
+        <p:nvPicPr>
+          <p:cNvPr id="6" name="Picture 5">
+            <a:extLst>
+              <a:ext uri="{FF2B5EF4-FFF2-40B4-BE49-F238E27FC236}">
+                <a16:creationId xmlns:a16="http://schemas.microsoft.com/office/drawing/2014/main" id="{6B84594E-8E5A-4556-B142-3084CF1D6922}"/>
+              </a:ext>
+            </a:extLst>
+          </p:cNvPr>
+          <p:cNvPicPr>
+            <a:picLocks noChangeAspect="1"/>
+          </p:cNvPicPr>
+          <p:nvPr/>
+        </p:nvPicPr>
+        <p:blipFill>
+          <a:blip r:embed="rId2"/>
+          <a:stretch>
+            <a:fillRect/>
+          </a:stretch>
+        </p:blipFill>
+        <p:spPr>
+          <a:xfrm>
+            <a:off x="2668159" y="2011680"/>
+            <a:ext cx="6855681" cy="4562144"/>
+          </a:xfrm>
+          <a:prstGeom prst="rect">
+            <a:avLst/>
+          </a:prstGeom>
+        </p:spPr>
+      </p:pic>
+    </p:spTree>
+    <p:extLst>
+      <p:ext uri="{BB962C8B-B14F-4D97-AF65-F5344CB8AC3E}">
+        <p14:creationId xmlns:p14="http://schemas.microsoft.com/office/powerpoint/2010/main" val="1248662091"/>
       </p:ext>
     </p:extLst>
   </p:cSld>

--- a/GroupCinemaProject.pptx
+++ b/GroupCinemaProject.pptx
@@ -603,7 +603,7 @@
   <pc:docChgLst>
     <pc:chgData name="Nilay Sanghrajka" userId="247b90a400b52899" providerId="LiveId" clId="{8820B2EB-8337-420E-B79D-0E7AFCB31723}"/>
     <pc:docChg chg="undo redo custSel mod delSld modSld sldOrd">
-      <pc:chgData name="Nilay Sanghrajka" userId="247b90a400b52899" providerId="LiveId" clId="{8820B2EB-8337-420E-B79D-0E7AFCB31723}" dt="2020-09-08T09:40:38.387" v="404" actId="20577"/>
+      <pc:chgData name="Nilay Sanghrajka" userId="247b90a400b52899" providerId="LiveId" clId="{8820B2EB-8337-420E-B79D-0E7AFCB31723}" dt="2020-09-08T11:04:01.914" v="405" actId="122"/>
       <pc:docMkLst>
         <pc:docMk/>
       </pc:docMkLst>
@@ -644,13 +644,13 @@
         </pc:sldMkLst>
       </pc:sldChg>
       <pc:sldChg chg="addSp delSp modSp mod setBg">
-        <pc:chgData name="Nilay Sanghrajka" userId="247b90a400b52899" providerId="LiveId" clId="{8820B2EB-8337-420E-B79D-0E7AFCB31723}" dt="2020-09-08T09:35:32.464" v="55" actId="1076"/>
+        <pc:chgData name="Nilay Sanghrajka" userId="247b90a400b52899" providerId="LiveId" clId="{8820B2EB-8337-420E-B79D-0E7AFCB31723}" dt="2020-09-08T11:04:01.914" v="405" actId="122"/>
         <pc:sldMkLst>
           <pc:docMk/>
           <pc:sldMk cId="3739178887" sldId="264"/>
         </pc:sldMkLst>
         <pc:spChg chg="mod">
-          <ac:chgData name="Nilay Sanghrajka" userId="247b90a400b52899" providerId="LiveId" clId="{8820B2EB-8337-420E-B79D-0E7AFCB31723}" dt="2020-09-08T09:35:09.294" v="49" actId="26606"/>
+          <ac:chgData name="Nilay Sanghrajka" userId="247b90a400b52899" providerId="LiveId" clId="{8820B2EB-8337-420E-B79D-0E7AFCB31723}" dt="2020-09-08T11:04:01.914" v="405" actId="122"/>
           <ac:spMkLst>
             <pc:docMk/>
             <pc:sldMk cId="3739178887" sldId="264"/>
@@ -4497,11 +4497,11 @@
           </a:bodyPr>
           <a:lstStyle/>
           <a:p>
+            <a:pPr algn="ctr"/>
             <a:r>
               <a:rPr lang="en-GB" b="1" dirty="0"/>
               <a:t>ERD Diagram</a:t>
             </a:r>
-            <a:endParaRPr lang="en-GB" b="1"/>
           </a:p>
         </p:txBody>
       </p:sp>

--- a/GroupCinemaProject.pptx
+++ b/GroupCinemaProject.pptx
@@ -9,10 +9,11 @@
     <p:sldId id="257" r:id="rId3"/>
     <p:sldId id="258" r:id="rId4"/>
     <p:sldId id="264" r:id="rId5"/>
-    <p:sldId id="265" r:id="rId6"/>
-    <p:sldId id="270" r:id="rId7"/>
-    <p:sldId id="267" r:id="rId8"/>
-    <p:sldId id="268" r:id="rId9"/>
+    <p:sldId id="271" r:id="rId6"/>
+    <p:sldId id="265" r:id="rId7"/>
+    <p:sldId id="270" r:id="rId8"/>
+    <p:sldId id="267" r:id="rId9"/>
+    <p:sldId id="268" r:id="rId10"/>
   </p:sldIdLst>
   <p:sldSz cx="12192000" cy="6858000"/>
   <p:notesSz cx="6858000" cy="9144000"/>
@@ -123,7 +124,7 @@
 <p1510:revInfo xmlns:a="http://schemas.openxmlformats.org/drawingml/2006/main" xmlns:r="http://schemas.openxmlformats.org/officeDocument/2006/relationships" xmlns:p1510="http://schemas.microsoft.com/office/powerpoint/2015/10/main">
   <p1510:revLst>
     <p1510:client id="{3EDA844C-9A51-4B6B-9BE3-BC5CC54C0E35}" v="1" dt="2020-09-08T08:52:41.657"/>
-    <p1510:client id="{8820B2EB-8337-420E-B79D-0E7AFCB31723}" v="4" dt="2020-09-08T09:37:24.662"/>
+    <p1510:client id="{8820B2EB-8337-420E-B79D-0E7AFCB31723}" v="5" dt="2020-09-08T19:39:22.340"/>
   </p1510:revLst>
 </p1510:revInfo>
 </file>
@@ -602,8 +603,8 @@
   </pc:docChgLst>
   <pc:docChgLst>
     <pc:chgData name="Nilay Sanghrajka" userId="247b90a400b52899" providerId="LiveId" clId="{8820B2EB-8337-420E-B79D-0E7AFCB31723}"/>
-    <pc:docChg chg="undo redo custSel mod delSld modSld sldOrd">
-      <pc:chgData name="Nilay Sanghrajka" userId="247b90a400b52899" providerId="LiveId" clId="{8820B2EB-8337-420E-B79D-0E7AFCB31723}" dt="2020-09-08T11:04:01.914" v="405" actId="122"/>
+    <pc:docChg chg="undo redo custSel mod addSld delSld modSld sldOrd">
+      <pc:chgData name="Nilay Sanghrajka" userId="247b90a400b52899" providerId="LiveId" clId="{8820B2EB-8337-420E-B79D-0E7AFCB31723}" dt="2020-09-08T19:39:46.968" v="428" actId="14100"/>
       <pc:docMkLst>
         <pc:docMk/>
       </pc:docMkLst>
@@ -725,6 +726,45 @@
             <pc:docMk/>
             <pc:sldMk cId="28597378" sldId="267"/>
             <ac:picMk id="5" creationId="{AE680929-9CAE-43FD-A3F0-0C38223825E3}"/>
+          </ac:picMkLst>
+        </pc:picChg>
+      </pc:sldChg>
+      <pc:sldChg chg="addSp delSp modSp add mod">
+        <pc:chgData name="Nilay Sanghrajka" userId="247b90a400b52899" providerId="LiveId" clId="{8820B2EB-8337-420E-B79D-0E7AFCB31723}" dt="2020-09-08T19:39:46.968" v="428" actId="14100"/>
+        <pc:sldMkLst>
+          <pc:docMk/>
+          <pc:sldMk cId="121747750" sldId="271"/>
+        </pc:sldMkLst>
+        <pc:spChg chg="mod">
+          <ac:chgData name="Nilay Sanghrajka" userId="247b90a400b52899" providerId="LiveId" clId="{8820B2EB-8337-420E-B79D-0E7AFCB31723}" dt="2020-09-08T19:39:01.578" v="420" actId="20577"/>
+          <ac:spMkLst>
+            <pc:docMk/>
+            <pc:sldMk cId="121747750" sldId="271"/>
+            <ac:spMk id="2" creationId="{DF91F68C-DB8F-4C8C-A358-301FE86C5C69}"/>
+          </ac:spMkLst>
+        </pc:spChg>
+        <pc:spChg chg="mod">
+          <ac:chgData name="Nilay Sanghrajka" userId="247b90a400b52899" providerId="LiveId" clId="{8820B2EB-8337-420E-B79D-0E7AFCB31723}" dt="2020-09-08T19:39:40.826" v="426" actId="1076"/>
+          <ac:spMkLst>
+            <pc:docMk/>
+            <pc:sldMk cId="121747750" sldId="271"/>
+            <ac:spMk id="7" creationId="{C02301FE-18FF-4457-B142-AD5FF6407A48}"/>
+          </ac:spMkLst>
+        </pc:spChg>
+        <pc:picChg chg="del">
+          <ac:chgData name="Nilay Sanghrajka" userId="247b90a400b52899" providerId="LiveId" clId="{8820B2EB-8337-420E-B79D-0E7AFCB31723}" dt="2020-09-08T19:39:24.902" v="422" actId="478"/>
+          <ac:picMkLst>
+            <pc:docMk/>
+            <pc:sldMk cId="121747750" sldId="271"/>
+            <ac:picMk id="3" creationId="{153220D1-CF2A-4E71-BDBC-B6C40AD8F50F}"/>
+          </ac:picMkLst>
+        </pc:picChg>
+        <pc:picChg chg="add mod">
+          <ac:chgData name="Nilay Sanghrajka" userId="247b90a400b52899" providerId="LiveId" clId="{8820B2EB-8337-420E-B79D-0E7AFCB31723}" dt="2020-09-08T19:39:46.968" v="428" actId="14100"/>
+          <ac:picMkLst>
+            <pc:docMk/>
+            <pc:sldMk cId="121747750" sldId="271"/>
+            <ac:picMk id="4" creationId="{A95E7A09-77D6-46E3-BBB9-27E327EDA110}"/>
           </ac:picMkLst>
         </pc:picChg>
       </pc:sldChg>
@@ -4636,6 +4676,142 @@
             <a:pPr algn="ctr"/>
             <a:r>
               <a:rPr lang="en-GB" b="1" dirty="0"/>
+              <a:t>Data flow Diagram</a:t>
+            </a:r>
+          </a:p>
+        </p:txBody>
+      </p:sp>
+      <p:sp>
+        <p:nvSpPr>
+          <p:cNvPr id="7" name="Content Placeholder 6">
+            <a:extLst>
+              <a:ext uri="{FF2B5EF4-FFF2-40B4-BE49-F238E27FC236}">
+                <a16:creationId xmlns:a16="http://schemas.microsoft.com/office/drawing/2014/main" id="{C02301FE-18FF-4457-B142-AD5FF6407A48}"/>
+              </a:ext>
+            </a:extLst>
+          </p:cNvPr>
+          <p:cNvSpPr>
+            <a:spLocks noGrp="1"/>
+          </p:cNvSpPr>
+          <p:nvPr>
+            <p:ph idx="1"/>
+          </p:nvPr>
+        </p:nvSpPr>
+        <p:spPr>
+          <a:xfrm>
+            <a:off x="316512" y="2221338"/>
+            <a:ext cx="2846566" cy="4206240"/>
+          </a:xfrm>
+        </p:spPr>
+        <p:txBody>
+          <a:bodyPr>
+            <a:normAutofit/>
+          </a:bodyPr>
+          <a:lstStyle/>
+          <a:p>
+            <a:endParaRPr lang="en-US" sz="2000" dirty="0"/>
+          </a:p>
+        </p:txBody>
+      </p:sp>
+      <p:pic>
+        <p:nvPicPr>
+          <p:cNvPr id="4" name="Picture 3">
+            <a:extLst>
+              <a:ext uri="{FF2B5EF4-FFF2-40B4-BE49-F238E27FC236}">
+                <a16:creationId xmlns:a16="http://schemas.microsoft.com/office/drawing/2014/main" id="{A95E7A09-77D6-46E3-BBB9-27E327EDA110}"/>
+              </a:ext>
+            </a:extLst>
+          </p:cNvPr>
+          <p:cNvPicPr>
+            <a:picLocks noChangeAspect="1"/>
+          </p:cNvPicPr>
+          <p:nvPr/>
+        </p:nvPicPr>
+        <p:blipFill>
+          <a:blip r:embed="rId2"/>
+          <a:stretch>
+            <a:fillRect/>
+          </a:stretch>
+        </p:blipFill>
+        <p:spPr>
+          <a:xfrm>
+            <a:off x="3918857" y="2221339"/>
+            <a:ext cx="7842768" cy="4205648"/>
+          </a:xfrm>
+          <a:prstGeom prst="rect">
+            <a:avLst/>
+          </a:prstGeom>
+        </p:spPr>
+      </p:pic>
+    </p:spTree>
+    <p:extLst>
+      <p:ext uri="{BB962C8B-B14F-4D97-AF65-F5344CB8AC3E}">
+        <p14:creationId xmlns:p14="http://schemas.microsoft.com/office/powerpoint/2010/main" val="121747750"/>
+      </p:ext>
+    </p:extLst>
+  </p:cSld>
+  <p:clrMapOvr>
+    <a:masterClrMapping/>
+  </p:clrMapOvr>
+</p:sld>
+</file>
+
+<file path=ppt/slides/slide6.xml><?xml version="1.0" encoding="utf-8"?>
+<p:sld xmlns:a="http://schemas.openxmlformats.org/drawingml/2006/main" xmlns:r="http://schemas.openxmlformats.org/officeDocument/2006/relationships" xmlns:p="http://schemas.openxmlformats.org/presentationml/2006/main">
+  <p:cSld>
+    <p:bg>
+      <p:bgPr>
+        <a:solidFill>
+          <a:schemeClr val="bg2"/>
+        </a:solidFill>
+        <a:effectLst/>
+      </p:bgPr>
+    </p:bg>
+    <p:spTree>
+      <p:nvGrpSpPr>
+        <p:cNvPr id="1" name=""/>
+        <p:cNvGrpSpPr/>
+        <p:nvPr/>
+      </p:nvGrpSpPr>
+      <p:grpSpPr>
+        <a:xfrm>
+          <a:off x="0" y="0"/>
+          <a:ext cx="0" cy="0"/>
+          <a:chOff x="0" y="0"/>
+          <a:chExt cx="0" cy="0"/>
+        </a:xfrm>
+      </p:grpSpPr>
+      <p:sp>
+        <p:nvSpPr>
+          <p:cNvPr id="2" name="Title 1">
+            <a:extLst>
+              <a:ext uri="{FF2B5EF4-FFF2-40B4-BE49-F238E27FC236}">
+                <a16:creationId xmlns:a16="http://schemas.microsoft.com/office/drawing/2014/main" id="{DF91F68C-DB8F-4C8C-A358-301FE86C5C69}"/>
+              </a:ext>
+            </a:extLst>
+          </p:cNvPr>
+          <p:cNvSpPr>
+            <a:spLocks noGrp="1"/>
+          </p:cNvSpPr>
+          <p:nvPr>
+            <p:ph type="title"/>
+          </p:nvPr>
+        </p:nvSpPr>
+        <p:spPr>
+          <a:xfrm>
+            <a:off x="1202919" y="284176"/>
+            <a:ext cx="9784080" cy="1508760"/>
+          </a:xfrm>
+        </p:spPr>
+        <p:txBody>
+          <a:bodyPr>
+            <a:normAutofit/>
+          </a:bodyPr>
+          <a:lstStyle/>
+          <a:p>
+            <a:pPr algn="ctr"/>
+            <a:r>
+              <a:rPr lang="en-GB" b="1" dirty="0"/>
               <a:t>Jira Board</a:t>
             </a:r>
           </a:p>
@@ -4716,7 +4892,7 @@
 </p:sld>
 </file>
 
-<file path=ppt/slides/slide6.xml><?xml version="1.0" encoding="utf-8"?>
+<file path=ppt/slides/slide7.xml><?xml version="1.0" encoding="utf-8"?>
 <p:sld xmlns:a="http://schemas.openxmlformats.org/drawingml/2006/main" xmlns:r="http://schemas.openxmlformats.org/officeDocument/2006/relationships" xmlns:p="http://schemas.openxmlformats.org/presentationml/2006/main">
   <p:cSld>
     <p:spTree>
@@ -4807,7 +4983,7 @@
 </p:sld>
 </file>
 
-<file path=ppt/slides/slide7.xml><?xml version="1.0" encoding="utf-8"?>
+<file path=ppt/slides/slide8.xml><?xml version="1.0" encoding="utf-8"?>
 <p:sld xmlns:a="http://schemas.openxmlformats.org/drawingml/2006/main" xmlns:r="http://schemas.openxmlformats.org/officeDocument/2006/relationships" xmlns:p="http://schemas.openxmlformats.org/presentationml/2006/main">
   <p:cSld>
     <p:spTree>
@@ -4953,7 +5129,7 @@
 </p:sld>
 </file>
 
-<file path=ppt/slides/slide8.xml><?xml version="1.0" encoding="utf-8"?>
+<file path=ppt/slides/slide9.xml><?xml version="1.0" encoding="utf-8"?>
 <p:sld xmlns:a="http://schemas.openxmlformats.org/drawingml/2006/main" xmlns:r="http://schemas.openxmlformats.org/officeDocument/2006/relationships" xmlns:p="http://schemas.openxmlformats.org/presentationml/2006/main">
   <p:cSld>
     <p:spTree>

--- a/GroupCinemaProject.pptx
+++ b/GroupCinemaProject.pptx
@@ -604,7 +604,7 @@
   <pc:docChgLst>
     <pc:chgData name="Nilay Sanghrajka" userId="247b90a400b52899" providerId="LiveId" clId="{8820B2EB-8337-420E-B79D-0E7AFCB31723}"/>
     <pc:docChg chg="undo redo custSel mod addSld delSld modSld sldOrd">
-      <pc:chgData name="Nilay Sanghrajka" userId="247b90a400b52899" providerId="LiveId" clId="{8820B2EB-8337-420E-B79D-0E7AFCB31723}" dt="2020-09-08T19:39:46.968" v="428" actId="14100"/>
+      <pc:chgData name="Nilay Sanghrajka" userId="247b90a400b52899" providerId="LiveId" clId="{8820B2EB-8337-420E-B79D-0E7AFCB31723}" dt="2020-09-08T19:44:36.702" v="438" actId="1076"/>
       <pc:docMkLst>
         <pc:docMk/>
       </pc:docMkLst>
@@ -645,7 +645,7 @@
         </pc:sldMkLst>
       </pc:sldChg>
       <pc:sldChg chg="addSp delSp modSp mod setBg">
-        <pc:chgData name="Nilay Sanghrajka" userId="247b90a400b52899" providerId="LiveId" clId="{8820B2EB-8337-420E-B79D-0E7AFCB31723}" dt="2020-09-08T11:04:01.914" v="405" actId="122"/>
+        <pc:chgData name="Nilay Sanghrajka" userId="247b90a400b52899" providerId="LiveId" clId="{8820B2EB-8337-420E-B79D-0E7AFCB31723}" dt="2020-09-08T19:44:36.702" v="438" actId="1076"/>
         <pc:sldMkLst>
           <pc:docMk/>
           <pc:sldMk cId="3739178887" sldId="264"/>
@@ -666,8 +666,8 @@
             <ac:spMk id="5" creationId="{854FBF2F-522B-4C89-B963-73509577E34C}"/>
           </ac:spMkLst>
         </pc:spChg>
-        <pc:spChg chg="add mod">
-          <ac:chgData name="Nilay Sanghrajka" userId="247b90a400b52899" providerId="LiveId" clId="{8820B2EB-8337-420E-B79D-0E7AFCB31723}" dt="2020-09-08T09:35:32.464" v="55" actId="1076"/>
+        <pc:spChg chg="add del mod">
+          <ac:chgData name="Nilay Sanghrajka" userId="247b90a400b52899" providerId="LiveId" clId="{8820B2EB-8337-420E-B79D-0E7AFCB31723}" dt="2020-09-08T19:44:29.310" v="436" actId="478"/>
           <ac:spMkLst>
             <pc:docMk/>
             <pc:sldMk cId="3739178887" sldId="264"/>
@@ -675,7 +675,7 @@
           </ac:spMkLst>
         </pc:spChg>
         <pc:picChg chg="add mod">
-          <ac:chgData name="Nilay Sanghrajka" userId="247b90a400b52899" providerId="LiveId" clId="{8820B2EB-8337-420E-B79D-0E7AFCB31723}" dt="2020-09-08T09:35:29.663" v="54" actId="1076"/>
+          <ac:chgData name="Nilay Sanghrajka" userId="247b90a400b52899" providerId="LiveId" clId="{8820B2EB-8337-420E-B79D-0E7AFCB31723}" dt="2020-09-08T19:44:36.702" v="438" actId="1076"/>
           <ac:picMkLst>
             <pc:docMk/>
             <pc:sldMk cId="3739178887" sldId="264"/>
@@ -4599,8 +4599,8 @@
         </p:blipFill>
         <p:spPr>
           <a:xfrm>
-            <a:off x="5321559" y="2174359"/>
-            <a:ext cx="5445968" cy="4207010"/>
+            <a:off x="5206455" y="2034668"/>
+            <a:ext cx="5875931" cy="4539156"/>
           </a:xfrm>
           <a:prstGeom prst="rect">
             <a:avLst/>
